--- a/papers/Case2016/pictures/pdf/Experiment copy.pptx
+++ b/papers/Case2016/pictures/pdf/Experiment copy.pptx
@@ -288,7 +288,7 @@
           <a:p>
             <a:fld id="{E60F7070-09AB-254B-8EC1-492B7B6DD6C0}" type="datetimeFigureOut">
               <a:rPr lang="en-US" smtClean="0"/>
-              <a:t>3/22/16</a:t>
+              <a:t>4/21/16</a:t>
             </a:fld>
             <a:endParaRPr lang="en-US"/>
           </a:p>
@@ -458,7 +458,7 @@
           <a:p>
             <a:fld id="{E60F7070-09AB-254B-8EC1-492B7B6DD6C0}" type="datetimeFigureOut">
               <a:rPr lang="en-US" smtClean="0"/>
-              <a:t>3/22/16</a:t>
+              <a:t>4/21/16</a:t>
             </a:fld>
             <a:endParaRPr lang="en-US"/>
           </a:p>
@@ -638,7 +638,7 @@
           <a:p>
             <a:fld id="{E60F7070-09AB-254B-8EC1-492B7B6DD6C0}" type="datetimeFigureOut">
               <a:rPr lang="en-US" smtClean="0"/>
-              <a:t>3/22/16</a:t>
+              <a:t>4/21/16</a:t>
             </a:fld>
             <a:endParaRPr lang="en-US"/>
           </a:p>
@@ -808,7 +808,7 @@
           <a:p>
             <a:fld id="{E60F7070-09AB-254B-8EC1-492B7B6DD6C0}" type="datetimeFigureOut">
               <a:rPr lang="en-US" smtClean="0"/>
-              <a:t>3/22/16</a:t>
+              <a:t>4/21/16</a:t>
             </a:fld>
             <a:endParaRPr lang="en-US"/>
           </a:p>
@@ -1054,7 +1054,7 @@
           <a:p>
             <a:fld id="{E60F7070-09AB-254B-8EC1-492B7B6DD6C0}" type="datetimeFigureOut">
               <a:rPr lang="en-US" smtClean="0"/>
-              <a:t>3/22/16</a:t>
+              <a:t>4/21/16</a:t>
             </a:fld>
             <a:endParaRPr lang="en-US"/>
           </a:p>
@@ -1342,7 +1342,7 @@
           <a:p>
             <a:fld id="{E60F7070-09AB-254B-8EC1-492B7B6DD6C0}" type="datetimeFigureOut">
               <a:rPr lang="en-US" smtClean="0"/>
-              <a:t>3/22/16</a:t>
+              <a:t>4/21/16</a:t>
             </a:fld>
             <a:endParaRPr lang="en-US"/>
           </a:p>
@@ -1764,7 +1764,7 @@
           <a:p>
             <a:fld id="{E60F7070-09AB-254B-8EC1-492B7B6DD6C0}" type="datetimeFigureOut">
               <a:rPr lang="en-US" smtClean="0"/>
-              <a:t>3/22/16</a:t>
+              <a:t>4/21/16</a:t>
             </a:fld>
             <a:endParaRPr lang="en-US"/>
           </a:p>
@@ -1882,7 +1882,7 @@
           <a:p>
             <a:fld id="{E60F7070-09AB-254B-8EC1-492B7B6DD6C0}" type="datetimeFigureOut">
               <a:rPr lang="en-US" smtClean="0"/>
-              <a:t>3/22/16</a:t>
+              <a:t>4/21/16</a:t>
             </a:fld>
             <a:endParaRPr lang="en-US"/>
           </a:p>
@@ -1977,7 +1977,7 @@
           <a:p>
             <a:fld id="{E60F7070-09AB-254B-8EC1-492B7B6DD6C0}" type="datetimeFigureOut">
               <a:rPr lang="en-US" smtClean="0"/>
-              <a:t>3/22/16</a:t>
+              <a:t>4/21/16</a:t>
             </a:fld>
             <a:endParaRPr lang="en-US"/>
           </a:p>
@@ -2254,7 +2254,7 @@
           <a:p>
             <a:fld id="{E60F7070-09AB-254B-8EC1-492B7B6DD6C0}" type="datetimeFigureOut">
               <a:rPr lang="en-US" smtClean="0"/>
-              <a:t>3/22/16</a:t>
+              <a:t>4/21/16</a:t>
             </a:fld>
             <a:endParaRPr lang="en-US"/>
           </a:p>
@@ -2507,7 +2507,7 @@
           <a:p>
             <a:fld id="{E60F7070-09AB-254B-8EC1-492B7B6DD6C0}" type="datetimeFigureOut">
               <a:rPr lang="en-US" smtClean="0"/>
-              <a:t>3/22/16</a:t>
+              <a:t>4/21/16</a:t>
             </a:fld>
             <a:endParaRPr lang="en-US"/>
           </a:p>
@@ -2720,7 +2720,7 @@
           <a:p>
             <a:fld id="{E60F7070-09AB-254B-8EC1-492B7B6DD6C0}" type="datetimeFigureOut">
               <a:rPr lang="en-US" smtClean="0"/>
-              <a:t>3/22/16</a:t>
+              <a:t>4/21/16</a:t>
             </a:fld>
             <a:endParaRPr lang="en-US"/>
           </a:p>
@@ -3689,6 +3689,154 @@
             <a:endParaRPr lang="en-US" i="1" dirty="0">
               <a:latin typeface="Times New Roman"/>
               <a:cs typeface="Times New Roman"/>
+            </a:endParaRPr>
+          </a:p>
+        </p:txBody>
+      </p:sp>
+      <p:cxnSp>
+        <p:nvCxnSpPr>
+          <p:cNvPr id="18" name="Straight Arrow Connector 17"/>
+          <p:cNvCxnSpPr/>
+          <p:nvPr/>
+        </p:nvCxnSpPr>
+        <p:spPr>
+          <a:xfrm>
+            <a:off x="1422869" y="767948"/>
+            <a:ext cx="0" cy="1904819"/>
+          </a:xfrm>
+          <a:prstGeom prst="straightConnector1">
+            <a:avLst/>
+          </a:prstGeom>
+          <a:ln>
+            <a:solidFill>
+              <a:schemeClr val="tx1"/>
+            </a:solidFill>
+            <a:headEnd type="stealth" w="med" len="lg"/>
+            <a:tailEnd type="stealth" w="med" len="lg"/>
+          </a:ln>
+          <a:effectLst/>
+        </p:spPr>
+        <p:style>
+          <a:lnRef idx="2">
+            <a:schemeClr val="accent1"/>
+          </a:lnRef>
+          <a:fillRef idx="0">
+            <a:schemeClr val="accent1"/>
+          </a:fillRef>
+          <a:effectRef idx="1">
+            <a:schemeClr val="accent1"/>
+          </a:effectRef>
+          <a:fontRef idx="minor">
+            <a:schemeClr val="tx1"/>
+          </a:fontRef>
+        </p:style>
+      </p:cxnSp>
+      <p:sp>
+        <p:nvSpPr>
+          <p:cNvPr id="8" name="TextBox 7"/>
+          <p:cNvSpPr txBox="1"/>
+          <p:nvPr/>
+        </p:nvSpPr>
+        <p:spPr>
+          <a:xfrm>
+            <a:off x="929980" y="1210995"/>
+            <a:ext cx="619428" cy="646331"/>
+          </a:xfrm>
+          <a:prstGeom prst="rect">
+            <a:avLst/>
+          </a:prstGeom>
+          <a:noFill/>
+        </p:spPr>
+        <p:txBody>
+          <a:bodyPr wrap="square" rtlCol="0">
+            <a:spAutoFit/>
+          </a:bodyPr>
+          <a:lstStyle/>
+          <a:p>
+            <a:r>
+              <a:rPr lang="en-US" sz="3600" dirty="0">
+                <a:latin typeface="Arial"/>
+                <a:cs typeface="Arial"/>
+              </a:rPr>
+              <a:t>C</a:t>
+            </a:r>
+            <a:endParaRPr lang="en-US" sz="3600" dirty="0">
+              <a:latin typeface="Arial"/>
+              <a:cs typeface="Arial"/>
+            </a:endParaRPr>
+          </a:p>
+        </p:txBody>
+      </p:sp>
+      <p:cxnSp>
+        <p:nvCxnSpPr>
+          <p:cNvPr id="26" name="Straight Arrow Connector 25"/>
+          <p:cNvCxnSpPr/>
+          <p:nvPr/>
+        </p:nvCxnSpPr>
+        <p:spPr>
+          <a:xfrm>
+            <a:off x="1399493" y="4253252"/>
+            <a:ext cx="0" cy="1077664"/>
+          </a:xfrm>
+          <a:prstGeom prst="straightConnector1">
+            <a:avLst/>
+          </a:prstGeom>
+          <a:ln>
+            <a:solidFill>
+              <a:schemeClr val="tx1"/>
+            </a:solidFill>
+            <a:headEnd type="stealth" w="med" len="lg"/>
+            <a:tailEnd type="stealth" w="med" len="lg"/>
+          </a:ln>
+          <a:effectLst/>
+        </p:spPr>
+        <p:style>
+          <a:lnRef idx="2">
+            <a:schemeClr val="accent1"/>
+          </a:lnRef>
+          <a:fillRef idx="0">
+            <a:schemeClr val="accent1"/>
+          </a:fillRef>
+          <a:effectRef idx="1">
+            <a:schemeClr val="accent1"/>
+          </a:effectRef>
+          <a:fontRef idx="minor">
+            <a:schemeClr val="tx1"/>
+          </a:fontRef>
+        </p:style>
+      </p:cxnSp>
+      <p:sp>
+        <p:nvSpPr>
+          <p:cNvPr id="27" name="TextBox 26"/>
+          <p:cNvSpPr txBox="1"/>
+          <p:nvPr/>
+        </p:nvSpPr>
+        <p:spPr>
+          <a:xfrm>
+            <a:off x="906604" y="4253252"/>
+            <a:ext cx="619428" cy="646331"/>
+          </a:xfrm>
+          <a:prstGeom prst="rect">
+            <a:avLst/>
+          </a:prstGeom>
+          <a:noFill/>
+        </p:spPr>
+        <p:txBody>
+          <a:bodyPr wrap="square" rtlCol="0">
+            <a:spAutoFit/>
+          </a:bodyPr>
+          <a:lstStyle/>
+          <a:p>
+            <a:r>
+              <a:rPr lang="en-US" sz="3600" dirty="0">
+                <a:latin typeface="Arial"/>
+                <a:cs typeface="Arial"/>
+              </a:rPr>
+              <a:t>C</a:t>
+            </a:r>
+            <a:endParaRPr lang="en-US" sz="3600" dirty="0">
+              <a:latin typeface="Arial"/>
+              <a:cs typeface="Arial"/>
             </a:endParaRPr>
           </a:p>
         </p:txBody>

--- a/papers/Case2016/pictures/pdf/Experiment copy.pptx
+++ b/papers/Case2016/pictures/pdf/Experiment copy.pptx
@@ -288,7 +288,7 @@
           <a:p>
             <a:fld id="{E60F7070-09AB-254B-8EC1-492B7B6DD6C0}" type="datetimeFigureOut">
               <a:rPr lang="en-US" smtClean="0"/>
-              <a:t>4/21/16</a:t>
+              <a:t>4/22/16</a:t>
             </a:fld>
             <a:endParaRPr lang="en-US"/>
           </a:p>
@@ -458,7 +458,7 @@
           <a:p>
             <a:fld id="{E60F7070-09AB-254B-8EC1-492B7B6DD6C0}" type="datetimeFigureOut">
               <a:rPr lang="en-US" smtClean="0"/>
-              <a:t>4/21/16</a:t>
+              <a:t>4/22/16</a:t>
             </a:fld>
             <a:endParaRPr lang="en-US"/>
           </a:p>
@@ -638,7 +638,7 @@
           <a:p>
             <a:fld id="{E60F7070-09AB-254B-8EC1-492B7B6DD6C0}" type="datetimeFigureOut">
               <a:rPr lang="en-US" smtClean="0"/>
-              <a:t>4/21/16</a:t>
+              <a:t>4/22/16</a:t>
             </a:fld>
             <a:endParaRPr lang="en-US"/>
           </a:p>
@@ -808,7 +808,7 @@
           <a:p>
             <a:fld id="{E60F7070-09AB-254B-8EC1-492B7B6DD6C0}" type="datetimeFigureOut">
               <a:rPr lang="en-US" smtClean="0"/>
-              <a:t>4/21/16</a:t>
+              <a:t>4/22/16</a:t>
             </a:fld>
             <a:endParaRPr lang="en-US"/>
           </a:p>
@@ -1054,7 +1054,7 @@
           <a:p>
             <a:fld id="{E60F7070-09AB-254B-8EC1-492B7B6DD6C0}" type="datetimeFigureOut">
               <a:rPr lang="en-US" smtClean="0"/>
-              <a:t>4/21/16</a:t>
+              <a:t>4/22/16</a:t>
             </a:fld>
             <a:endParaRPr lang="en-US"/>
           </a:p>
@@ -1342,7 +1342,7 @@
           <a:p>
             <a:fld id="{E60F7070-09AB-254B-8EC1-492B7B6DD6C0}" type="datetimeFigureOut">
               <a:rPr lang="en-US" smtClean="0"/>
-              <a:t>4/21/16</a:t>
+              <a:t>4/22/16</a:t>
             </a:fld>
             <a:endParaRPr lang="en-US"/>
           </a:p>
@@ -1764,7 +1764,7 @@
           <a:p>
             <a:fld id="{E60F7070-09AB-254B-8EC1-492B7B6DD6C0}" type="datetimeFigureOut">
               <a:rPr lang="en-US" smtClean="0"/>
-              <a:t>4/21/16</a:t>
+              <a:t>4/22/16</a:t>
             </a:fld>
             <a:endParaRPr lang="en-US"/>
           </a:p>
@@ -1882,7 +1882,7 @@
           <a:p>
             <a:fld id="{E60F7070-09AB-254B-8EC1-492B7B6DD6C0}" type="datetimeFigureOut">
               <a:rPr lang="en-US" smtClean="0"/>
-              <a:t>4/21/16</a:t>
+              <a:t>4/22/16</a:t>
             </a:fld>
             <a:endParaRPr lang="en-US"/>
           </a:p>
@@ -1977,7 +1977,7 @@
           <a:p>
             <a:fld id="{E60F7070-09AB-254B-8EC1-492B7B6DD6C0}" type="datetimeFigureOut">
               <a:rPr lang="en-US" smtClean="0"/>
-              <a:t>4/21/16</a:t>
+              <a:t>4/22/16</a:t>
             </a:fld>
             <a:endParaRPr lang="en-US"/>
           </a:p>
@@ -2254,7 +2254,7 @@
           <a:p>
             <a:fld id="{E60F7070-09AB-254B-8EC1-492B7B6DD6C0}" type="datetimeFigureOut">
               <a:rPr lang="en-US" smtClean="0"/>
-              <a:t>4/21/16</a:t>
+              <a:t>4/22/16</a:t>
             </a:fld>
             <a:endParaRPr lang="en-US"/>
           </a:p>
@@ -2507,7 +2507,7 @@
           <a:p>
             <a:fld id="{E60F7070-09AB-254B-8EC1-492B7B6DD6C0}" type="datetimeFigureOut">
               <a:rPr lang="en-US" smtClean="0"/>
-              <a:t>4/21/16</a:t>
+              <a:t>4/22/16</a:t>
             </a:fld>
             <a:endParaRPr lang="en-US"/>
           </a:p>
@@ -2720,7 +2720,7 @@
           <a:p>
             <a:fld id="{E60F7070-09AB-254B-8EC1-492B7B6DD6C0}" type="datetimeFigureOut">
               <a:rPr lang="en-US" smtClean="0"/>
-              <a:t>4/21/16</a:t>
+              <a:t>4/22/16</a:t>
             </a:fld>
             <a:endParaRPr lang="en-US"/>
           </a:p>
@@ -3740,7 +3740,7 @@
         <p:spPr>
           <a:xfrm>
             <a:off x="929980" y="1210995"/>
-            <a:ext cx="619428" cy="646331"/>
+            <a:ext cx="619428" cy="523220"/>
           </a:xfrm>
           <a:prstGeom prst="rect">
             <a:avLst/>
@@ -3754,13 +3754,13 @@
           <a:lstStyle/>
           <a:p>
             <a:r>
-              <a:rPr lang="en-US" sz="3600" dirty="0">
+              <a:rPr lang="en-US" sz="2800" dirty="0">
                 <a:latin typeface="Arial"/>
                 <a:cs typeface="Arial"/>
               </a:rPr>
               <a:t>C</a:t>
             </a:r>
-            <a:endParaRPr lang="en-US" sz="3600" dirty="0">
+            <a:endParaRPr lang="en-US" sz="2800" dirty="0" smtClean="0">
               <a:latin typeface="Arial"/>
               <a:cs typeface="Arial"/>
             </a:endParaRPr>
@@ -3813,8 +3813,8 @@
         </p:nvSpPr>
         <p:spPr>
           <a:xfrm>
-            <a:off x="906604" y="4253252"/>
-            <a:ext cx="619428" cy="646331"/>
+            <a:off x="950395" y="4486788"/>
+            <a:ext cx="619428" cy="523220"/>
           </a:xfrm>
           <a:prstGeom prst="rect">
             <a:avLst/>
@@ -3828,16 +3828,12 @@
           <a:lstStyle/>
           <a:p>
             <a:r>
-              <a:rPr lang="en-US" sz="3600" dirty="0">
+              <a:rPr lang="en-US" sz="2800" dirty="0">
                 <a:latin typeface="Arial"/>
                 <a:cs typeface="Arial"/>
               </a:rPr>
               <a:t>C</a:t>
             </a:r>
-            <a:endParaRPr lang="en-US" sz="3600" dirty="0">
-              <a:latin typeface="Arial"/>
-              <a:cs typeface="Arial"/>
-            </a:endParaRPr>
           </a:p>
         </p:txBody>
       </p:sp>
